--- a/desain/kerangka desain.pptx
+++ b/desain/kerangka desain.pptx
@@ -119,6 +119,11 @@
       </a:defRPr>
     </a:lvl9pPr>
   </p:defaultTextStyle>
+  <p:extLst>
+    <p:ext uri="{EFAFB233-063F-42B5-8137-9DF3F51BA10A}">
+      <p15:sldGuideLst xmlns:p15="http://schemas.microsoft.com/office/powerpoint/2012/main"/>
+    </p:ext>
+  </p:extLst>
 </p:presentation>
 </file>
 
@@ -322,7 +327,7 @@
           <a:p>
             <a:fld id="{DC517B4C-BD22-4172-89AB-AA51A8E501B5}" type="datetimeFigureOut">
               <a:rPr lang="en-GB" smtClean="0"/>
-              <a:t>23/09/2023</a:t>
+              <a:t>24/09/2023</a:t>
             </a:fld>
             <a:endParaRPr lang="en-GB"/>
           </a:p>
@@ -512,7 +517,7 @@
           <a:p>
             <a:fld id="{DC517B4C-BD22-4172-89AB-AA51A8E501B5}" type="datetimeFigureOut">
               <a:rPr lang="en-GB" smtClean="0"/>
-              <a:t>23/09/2023</a:t>
+              <a:t>24/09/2023</a:t>
             </a:fld>
             <a:endParaRPr lang="en-GB"/>
           </a:p>
@@ -692,7 +697,7 @@
           <a:p>
             <a:fld id="{DC517B4C-BD22-4172-89AB-AA51A8E501B5}" type="datetimeFigureOut">
               <a:rPr lang="en-GB" smtClean="0"/>
-              <a:t>23/09/2023</a:t>
+              <a:t>24/09/2023</a:t>
             </a:fld>
             <a:endParaRPr lang="en-GB"/>
           </a:p>
@@ -862,7 +867,7 @@
           <a:p>
             <a:fld id="{DC517B4C-BD22-4172-89AB-AA51A8E501B5}" type="datetimeFigureOut">
               <a:rPr lang="en-GB" smtClean="0"/>
-              <a:t>23/09/2023</a:t>
+              <a:t>24/09/2023</a:t>
             </a:fld>
             <a:endParaRPr lang="en-GB"/>
           </a:p>
@@ -1118,7 +1123,7 @@
           <a:p>
             <a:fld id="{DC517B4C-BD22-4172-89AB-AA51A8E501B5}" type="datetimeFigureOut">
               <a:rPr lang="en-GB" smtClean="0"/>
-              <a:t>23/09/2023</a:t>
+              <a:t>24/09/2023</a:t>
             </a:fld>
             <a:endParaRPr lang="en-GB"/>
           </a:p>
@@ -1406,7 +1411,7 @@
           <a:p>
             <a:fld id="{DC517B4C-BD22-4172-89AB-AA51A8E501B5}" type="datetimeFigureOut">
               <a:rPr lang="en-GB" smtClean="0"/>
-              <a:t>23/09/2023</a:t>
+              <a:t>24/09/2023</a:t>
             </a:fld>
             <a:endParaRPr lang="en-GB"/>
           </a:p>
@@ -1844,7 +1849,7 @@
           <a:p>
             <a:fld id="{DC517B4C-BD22-4172-89AB-AA51A8E501B5}" type="datetimeFigureOut">
               <a:rPr lang="en-GB" smtClean="0"/>
-              <a:t>23/09/2023</a:t>
+              <a:t>24/09/2023</a:t>
             </a:fld>
             <a:endParaRPr lang="en-GB"/>
           </a:p>
@@ -1962,7 +1967,7 @@
           <a:p>
             <a:fld id="{DC517B4C-BD22-4172-89AB-AA51A8E501B5}" type="datetimeFigureOut">
               <a:rPr lang="en-GB" smtClean="0"/>
-              <a:t>23/09/2023</a:t>
+              <a:t>24/09/2023</a:t>
             </a:fld>
             <a:endParaRPr lang="en-GB"/>
           </a:p>
@@ -2057,7 +2062,7 @@
           <a:p>
             <a:fld id="{DC517B4C-BD22-4172-89AB-AA51A8E501B5}" type="datetimeFigureOut">
               <a:rPr lang="en-GB" smtClean="0"/>
-              <a:t>23/09/2023</a:t>
+              <a:t>24/09/2023</a:t>
             </a:fld>
             <a:endParaRPr lang="en-GB"/>
           </a:p>
@@ -2413,7 +2418,7 @@
           <a:p>
             <a:fld id="{DC517B4C-BD22-4172-89AB-AA51A8E501B5}" type="datetimeFigureOut">
               <a:rPr lang="en-GB" smtClean="0"/>
-              <a:t>23/09/2023</a:t>
+              <a:t>24/09/2023</a:t>
             </a:fld>
             <a:endParaRPr lang="en-GB"/>
           </a:p>
@@ -2729,7 +2734,7 @@
           <a:p>
             <a:fld id="{DC517B4C-BD22-4172-89AB-AA51A8E501B5}" type="datetimeFigureOut">
               <a:rPr lang="en-GB" smtClean="0"/>
-              <a:t>23/09/2023</a:t>
+              <a:t>24/09/2023</a:t>
             </a:fld>
             <a:endParaRPr lang="en-GB"/>
           </a:p>
@@ -2962,7 +2967,7 @@
           <a:p>
             <a:fld id="{DC517B4C-BD22-4172-89AB-AA51A8E501B5}" type="datetimeFigureOut">
               <a:rPr lang="en-GB" smtClean="0"/>
-              <a:t>23/09/2023</a:t>
+              <a:t>24/09/2023</a:t>
             </a:fld>
             <a:endParaRPr lang="en-GB"/>
           </a:p>
@@ -3850,14 +3855,14 @@
             <p:ph idx="1"/>
             <p:extLst>
               <p:ext uri="{D42A27DB-BD31-4B8C-83A1-F6EECF244321}">
-                <p14:modId xmlns:p14="http://schemas.microsoft.com/office/powerpoint/2010/main" val="64430126"/>
+                <p14:modId xmlns:p14="http://schemas.microsoft.com/office/powerpoint/2010/main" val="1871427697"/>
               </p:ext>
             </p:extLst>
           </p:nvPr>
         </p:nvGraphicFramePr>
         <p:xfrm>
-          <a:off x="719136" y="3429000"/>
-          <a:ext cx="10753728" cy="1854200"/>
+          <a:off x="719136" y="3175783"/>
+          <a:ext cx="10810902" cy="3200400"/>
         </p:xfrm>
         <a:graphic>
           <a:graphicData uri="http://schemas.openxmlformats.org/drawingml/2006/table">
@@ -3866,56 +3871,63 @@
                 <a:tableStyleId>{5C22544A-7EE6-4342-B048-85BDC9FD1C3A}</a:tableStyleId>
               </a:tblPr>
               <a:tblGrid>
-                <a:gridCol w="1344216">
+                <a:gridCol w="1194859">
                   <a:extLst>
                     <a:ext uri="{9D8B030D-6E8A-4147-A177-3AD203B41FA5}">
                       <a16:colId xmlns:a16="http://schemas.microsoft.com/office/drawing/2014/main" val="4103828418"/>
                     </a:ext>
                   </a:extLst>
                 </a:gridCol>
-                <a:gridCol w="1344216">
+                <a:gridCol w="1194859">
                   <a:extLst>
                     <a:ext uri="{9D8B030D-6E8A-4147-A177-3AD203B41FA5}">
                       <a16:colId xmlns:a16="http://schemas.microsoft.com/office/drawing/2014/main" val="19932013"/>
                     </a:ext>
                   </a:extLst>
                 </a:gridCol>
-                <a:gridCol w="1344216">
+                <a:gridCol w="1194859">
                   <a:extLst>
                     <a:ext uri="{9D8B030D-6E8A-4147-A177-3AD203B41FA5}">
                       <a16:colId xmlns:a16="http://schemas.microsoft.com/office/drawing/2014/main" val="658420294"/>
                     </a:ext>
                   </a:extLst>
                 </a:gridCol>
-                <a:gridCol w="1344216">
+                <a:gridCol w="1194859">
                   <a:extLst>
                     <a:ext uri="{9D8B030D-6E8A-4147-A177-3AD203B41FA5}">
                       <a16:colId xmlns:a16="http://schemas.microsoft.com/office/drawing/2014/main" val="1886227190"/>
                     </a:ext>
                   </a:extLst>
                 </a:gridCol>
-                <a:gridCol w="1344216">
+                <a:gridCol w="1194859">
                   <a:extLst>
                     <a:ext uri="{9D8B030D-6E8A-4147-A177-3AD203B41FA5}">
                       <a16:colId xmlns:a16="http://schemas.microsoft.com/office/drawing/2014/main" val="1155619026"/>
                     </a:ext>
                   </a:extLst>
                 </a:gridCol>
-                <a:gridCol w="1344216">
+                <a:gridCol w="1252030">
+                  <a:extLst>
+                    <a:ext uri="{9D8B030D-6E8A-4147-A177-3AD203B41FA5}">
+                      <a16:colId xmlns:a16="http://schemas.microsoft.com/office/drawing/2014/main" val="3744430549"/>
+                    </a:ext>
+                  </a:extLst>
+                </a:gridCol>
+                <a:gridCol w="1451757">
                   <a:extLst>
                     <a:ext uri="{9D8B030D-6E8A-4147-A177-3AD203B41FA5}">
                       <a16:colId xmlns:a16="http://schemas.microsoft.com/office/drawing/2014/main" val="3157603837"/>
                     </a:ext>
                   </a:extLst>
                 </a:gridCol>
-                <a:gridCol w="1344216">
+                <a:gridCol w="1209822">
                   <a:extLst>
                     <a:ext uri="{9D8B030D-6E8A-4147-A177-3AD203B41FA5}">
                       <a16:colId xmlns:a16="http://schemas.microsoft.com/office/drawing/2014/main" val="3346714579"/>
                     </a:ext>
                   </a:extLst>
                 </a:gridCol>
-                <a:gridCol w="1344216">
+                <a:gridCol w="922998">
                   <a:extLst>
                     <a:ext uri="{9D8B030D-6E8A-4147-A177-3AD203B41FA5}">
                       <a16:colId xmlns:a16="http://schemas.microsoft.com/office/drawing/2014/main" val="1428171560"/>
@@ -4006,6 +4018,20 @@
                     <a:p>
                       <a:r>
                         <a:rPr lang="en-GB" dirty="0" err="1"/>
+                        <a:t>Keterangan</a:t>
+                      </a:r>
+                      <a:endParaRPr lang="en-GB" dirty="0"/>
+                    </a:p>
+                  </a:txBody>
+                  <a:tcPr/>
+                </a:tc>
+                <a:tc>
+                  <a:txBody>
+                    <a:bodyPr/>
+                    <a:lstStyle/>
+                    <a:p>
+                      <a:r>
+                        <a:rPr lang="en-GB" dirty="0" err="1"/>
                         <a:t>Lokasi</a:t>
                       </a:r>
                       <a:r>
@@ -4132,6 +4158,19 @@
                     <a:p>
                       <a:r>
                         <a:rPr lang="en-GB" dirty="0"/>
+                        <a:t>On-time</a:t>
+                      </a:r>
+                    </a:p>
+                  </a:txBody>
+                  <a:tcPr/>
+                </a:tc>
+                <a:tc>
+                  <a:txBody>
+                    <a:bodyPr/>
+                    <a:lstStyle/>
+                    <a:p>
+                      <a:r>
+                        <a:rPr lang="en-GB" dirty="0"/>
                         <a:t>(</a:t>
                       </a:r>
                       <a:r>
@@ -4261,6 +4300,19 @@
                       <a:r>
                         <a:rPr lang="en-GB" dirty="0"/>
                         <a:t>07.10</a:t>
+                      </a:r>
+                    </a:p>
+                  </a:txBody>
+                  <a:tcPr/>
+                </a:tc>
+                <a:tc>
+                  <a:txBody>
+                    <a:bodyPr/>
+                    <a:lstStyle/>
+                    <a:p>
+                      <a:r>
+                        <a:rPr lang="en-GB" dirty="0"/>
+                        <a:t>On-time</a:t>
                       </a:r>
                     </a:p>
                   </a:txBody>
@@ -4430,6 +4482,20 @@
                     <a:lstStyle/>
                     <a:p>
                       <a:r>
+                        <a:rPr lang="en-GB" dirty="0" err="1"/>
+                        <a:t>Terlambat</a:t>
+                      </a:r>
+                      <a:endParaRPr lang="en-GB" dirty="0"/>
+                    </a:p>
+                  </a:txBody>
+                  <a:tcPr/>
+                </a:tc>
+                <a:tc>
+                  <a:txBody>
+                    <a:bodyPr/>
+                    <a:lstStyle/>
+                    <a:p>
+                      <a:r>
                         <a:rPr lang="en-GB" dirty="0"/>
                         <a:t>(</a:t>
                       </a:r>
@@ -4577,6 +4643,19 @@
                       <a:r>
                         <a:rPr lang="en-GB" dirty="0"/>
                         <a:t>07.00</a:t>
+                      </a:r>
+                    </a:p>
+                  </a:txBody>
+                  <a:tcPr/>
+                </a:tc>
+                <a:tc>
+                  <a:txBody>
+                    <a:bodyPr/>
+                    <a:lstStyle/>
+                    <a:p>
+                      <a:r>
+                        <a:rPr lang="en-GB" dirty="0"/>
+                        <a:t>On-time</a:t>
                       </a:r>
                     </a:p>
                   </a:txBody>
@@ -5161,12 +5240,8 @@
           <a:p>
             <a:pPr algn="ctr"/>
             <a:r>
-              <a:rPr lang="en-GB" sz="2400" dirty="0" err="1"/>
-              <a:t>Mengubah</a:t>
-            </a:r>
-            <a:r>
               <a:rPr lang="en-GB" sz="2400" dirty="0"/>
-              <a:t> Data </a:t>
+              <a:t>Data </a:t>
             </a:r>
             <a:r>
               <a:rPr lang="en-GB" sz="2400" dirty="0" err="1"/>
@@ -6727,12 +6802,8 @@
           <a:p>
             <a:pPr algn="ctr"/>
             <a:r>
-              <a:rPr lang="en-GB" sz="2400" dirty="0" err="1"/>
-              <a:t>Mengubah</a:t>
-            </a:r>
-            <a:r>
               <a:rPr lang="en-GB" sz="2400" dirty="0"/>
-              <a:t> Data Guru</a:t>
+              <a:t>Data Guru</a:t>
             </a:r>
           </a:p>
         </p:txBody>
@@ -9224,7 +9295,7 @@
             <a:pPr algn="ctr"/>
             <a:r>
               <a:rPr lang="en-GB" sz="2400" dirty="0" err="1"/>
-              <a:t>Mengubah</a:t>
+              <a:t>Mengatur</a:t>
             </a:r>
             <a:r>
               <a:rPr lang="en-GB" sz="2400" dirty="0"/>
@@ -9274,12 +9345,12 @@
           <a:p>
             <a:pPr algn="ctr"/>
             <a:r>
-              <a:rPr lang="en-GB" sz="2400" dirty="0" err="1"/>
-              <a:t>Mengubah</a:t>
-            </a:r>
-            <a:r>
-              <a:rPr lang="en-GB" sz="2400" dirty="0"/>
-              <a:t> Data Kelas</a:t>
+              <a:rPr lang="en-GB" sz="2000" dirty="0" err="1"/>
+              <a:t>Mengatur</a:t>
+            </a:r>
+            <a:r>
+              <a:rPr lang="en-GB" sz="2000" dirty="0"/>
+              <a:t> Data Pelajaran</a:t>
             </a:r>
           </a:p>
         </p:txBody>
@@ -9703,7 +9774,7 @@
             <a:pPr algn="ctr"/>
             <a:r>
               <a:rPr lang="en-GB" sz="2400" dirty="0" err="1"/>
-              <a:t>Mengubah</a:t>
+              <a:t>Mengatur</a:t>
             </a:r>
             <a:r>
               <a:rPr lang="en-GB" sz="2400" dirty="0"/>
